--- a/LCC/Python/00_Spyder環境建置.pptx
+++ b/LCC/Python/00_Spyder環境建置.pptx
@@ -2,7 +2,7 @@
 <file path=ppt/presentation.xml><?xml version="1.0" encoding="utf-8"?>
 <p:presentation xmlns:a="http://schemas.openxmlformats.org/drawingml/2006/main" xmlns:r="http://schemas.openxmlformats.org/officeDocument/2006/relationships" xmlns:p="http://schemas.openxmlformats.org/presentationml/2006/main" autoCompressPictures="0">
   <p:sldMasterIdLst>
-    <p:sldMasterId id="2147483648" r:id="rId1"/>
+    <p:sldMasterId id="2147483668" r:id="rId1"/>
   </p:sldMasterIdLst>
   <p:sldIdLst>
     <p:sldId id="256" r:id="rId2"/>
@@ -153,7 +153,7 @@
       </p:grpSpPr>
       <p:grpSp>
         <p:nvGrpSpPr>
-          <p:cNvPr id="7" name="Group 6"/>
+          <p:cNvPr id="16" name="Group 15"/>
           <p:cNvGrpSpPr/>
           <p:nvPr/>
         </p:nvGrpSpPr>
@@ -165,9 +165,72 @@
             <a:chExt cx="12192000" cy="6866467"/>
           </a:xfrm>
         </p:grpSpPr>
+        <p:sp>
+          <p:nvSpPr>
+            <p:cNvPr id="15" name="Freeform 14"/>
+            <p:cNvSpPr/>
+            <p:nvPr/>
+          </p:nvSpPr>
+          <p:spPr>
+            <a:xfrm>
+              <a:off x="0" y="-7862"/>
+              <a:ext cx="863600" cy="5698067"/>
+            </a:xfrm>
+            <a:custGeom>
+              <a:avLst/>
+              <a:gdLst/>
+              <a:ahLst/>
+              <a:cxnLst/>
+              <a:rect l="l" t="t" r="r" b="b"/>
+              <a:pathLst>
+                <a:path w="863600" h="5698067">
+                  <a:moveTo>
+                    <a:pt x="0" y="8467"/>
+                  </a:moveTo>
+                  <a:lnTo>
+                    <a:pt x="863600" y="0"/>
+                  </a:lnTo>
+                  <a:lnTo>
+                    <a:pt x="863600" y="16934"/>
+                  </a:lnTo>
+                  <a:lnTo>
+                    <a:pt x="0" y="5698067"/>
+                  </a:lnTo>
+                  <a:lnTo>
+                    <a:pt x="0" y="8467"/>
+                  </a:lnTo>
+                  <a:close/>
+                </a:path>
+              </a:pathLst>
+            </a:custGeom>
+            <a:solidFill>
+              <a:schemeClr val="accent1">
+                <a:alpha val="70000"/>
+              </a:schemeClr>
+            </a:solidFill>
+            <a:ln>
+              <a:noFill/>
+            </a:ln>
+            <a:effectLst/>
+          </p:spPr>
+          <p:style>
+            <a:lnRef idx="1">
+              <a:schemeClr val="accent1"/>
+            </a:lnRef>
+            <a:fillRef idx="3">
+              <a:schemeClr val="accent1"/>
+            </a:fillRef>
+            <a:effectRef idx="2">
+              <a:schemeClr val="accent1"/>
+            </a:effectRef>
+            <a:fontRef idx="minor">
+              <a:schemeClr val="lt1"/>
+            </a:fontRef>
+          </p:style>
+        </p:sp>
         <p:cxnSp>
           <p:nvCxnSpPr>
-            <p:cNvPr id="32" name="Straight Connector 31"/>
+            <p:cNvPr id="19" name="Straight Connector 18"/>
             <p:cNvCxnSpPr/>
             <p:nvPr/>
           </p:nvCxnSpPr>
@@ -181,8 +244,8 @@
             </a:prstGeom>
             <a:ln w="9525">
               <a:solidFill>
-                <a:schemeClr val="bg1">
-                  <a:lumMod val="75000"/>
+                <a:schemeClr val="accent1">
+                  <a:alpha val="70000"/>
                 </a:schemeClr>
               </a:solidFill>
             </a:ln>
@@ -204,7 +267,7 @@
         </p:cxnSp>
         <p:cxnSp>
           <p:nvCxnSpPr>
-            <p:cNvPr id="21" name="Straight Connector 20"/>
+            <p:cNvPr id="20" name="Straight Connector 19"/>
             <p:cNvCxnSpPr/>
             <p:nvPr/>
           </p:nvCxnSpPr>
@@ -218,8 +281,8 @@
             </a:prstGeom>
             <a:ln w="9525">
               <a:solidFill>
-                <a:schemeClr val="bg1">
-                  <a:lumMod val="85000"/>
+                <a:schemeClr val="accent1">
+                  <a:alpha val="70000"/>
                 </a:schemeClr>
               </a:solidFill>
             </a:ln>
@@ -241,7 +304,7 @@
         </p:cxnSp>
         <p:sp>
           <p:nvSpPr>
-            <p:cNvPr id="24" name="Rectangle 23"/>
+            <p:cNvPr id="21" name="Rectangle 23"/>
             <p:cNvSpPr/>
             <p:nvPr/>
           </p:nvSpPr>
@@ -279,7 +342,7 @@
             </a:custGeom>
             <a:solidFill>
               <a:schemeClr val="accent1">
-                <a:alpha val="30000"/>
+                <a:alpha val="36000"/>
               </a:schemeClr>
             </a:solidFill>
             <a:ln>
@@ -304,7 +367,7 @@
         </p:sp>
         <p:sp>
           <p:nvSpPr>
-            <p:cNvPr id="26" name="Rectangle 25"/>
+            <p:cNvPr id="22" name="Rectangle 25"/>
             <p:cNvSpPr/>
             <p:nvPr/>
           </p:nvSpPr>
@@ -367,7 +430,7 @@
         </p:sp>
         <p:sp>
           <p:nvSpPr>
-            <p:cNvPr id="27" name="Isosceles Triangle 26"/>
+            <p:cNvPr id="23" name="Isosceles Triangle 22"/>
             <p:cNvSpPr/>
             <p:nvPr/>
           </p:nvSpPr>
@@ -382,8 +445,9 @@
               </a:avLst>
             </a:prstGeom>
             <a:solidFill>
-              <a:schemeClr val="accent2">
-                <a:alpha val="72000"/>
+              <a:schemeClr val="accent1">
+                <a:lumMod val="75000"/>
+                <a:alpha val="66000"/>
               </a:schemeClr>
             </a:solidFill>
             <a:ln>
@@ -408,7 +472,7 @@
         </p:sp>
         <p:sp>
           <p:nvSpPr>
-            <p:cNvPr id="28" name="Rectangle 27"/>
+            <p:cNvPr id="24" name="Rectangle 27"/>
             <p:cNvSpPr/>
             <p:nvPr/>
           </p:nvSpPr>
@@ -445,9 +509,9 @@
               </a:pathLst>
             </a:custGeom>
             <a:solidFill>
-              <a:schemeClr val="accent2">
+              <a:schemeClr val="accent1">
                 <a:lumMod val="75000"/>
-                <a:alpha val="70000"/>
+                <a:alpha val="50000"/>
               </a:schemeClr>
             </a:solidFill>
             <a:ln>
@@ -472,7 +536,7 @@
         </p:sp>
         <p:sp>
           <p:nvSpPr>
-            <p:cNvPr id="29" name="Rectangle 28"/>
+            <p:cNvPr id="25" name="Rectangle 28"/>
             <p:cNvSpPr/>
             <p:nvPr/>
           </p:nvSpPr>
@@ -509,9 +573,7 @@
               </a:pathLst>
             </a:custGeom>
             <a:solidFill>
-              <a:schemeClr val="accent1">
-                <a:lumMod val="60000"/>
-                <a:lumOff val="40000"/>
+              <a:schemeClr val="accent2">
                 <a:alpha val="70000"/>
               </a:schemeClr>
             </a:solidFill>
@@ -537,7 +599,7 @@
         </p:sp>
         <p:sp>
           <p:nvSpPr>
-            <p:cNvPr id="30" name="Rectangle 29"/>
+            <p:cNvPr id="26" name="Rectangle 29"/>
             <p:cNvSpPr/>
             <p:nvPr/>
           </p:nvSpPr>
@@ -574,48 +636,8 @@
               </a:pathLst>
             </a:custGeom>
             <a:solidFill>
-              <a:schemeClr val="accent1">
-                <a:alpha val="65000"/>
-              </a:schemeClr>
-            </a:solidFill>
-            <a:ln>
-              <a:noFill/>
-            </a:ln>
-            <a:effectLst/>
-          </p:spPr>
-          <p:style>
-            <a:lnRef idx="1">
-              <a:schemeClr val="accent1"/>
-            </a:lnRef>
-            <a:fillRef idx="3">
-              <a:schemeClr val="accent1"/>
-            </a:fillRef>
-            <a:effectRef idx="2">
-              <a:schemeClr val="accent1"/>
-            </a:effectRef>
-            <a:fontRef idx="minor">
-              <a:schemeClr val="lt1"/>
-            </a:fontRef>
-          </p:style>
-        </p:sp>
-        <p:sp>
-          <p:nvSpPr>
-            <p:cNvPr id="31" name="Isosceles Triangle 30"/>
-            <p:cNvSpPr/>
-            <p:nvPr/>
-          </p:nvSpPr>
-          <p:spPr>
-            <a:xfrm>
-              <a:off x="10371666" y="3589867"/>
-              <a:ext cx="1817159" cy="3268133"/>
-            </a:xfrm>
-            <a:prstGeom prst="triangle">
-              <a:avLst>
-                <a:gd name="adj" fmla="val 100000"/>
-              </a:avLst>
-            </a:prstGeom>
-            <a:solidFill>
-              <a:schemeClr val="accent1">
+              <a:schemeClr val="accent2">
+                <a:lumMod val="75000"/>
                 <a:alpha val="80000"/>
               </a:schemeClr>
             </a:solidFill>
@@ -641,14 +663,14 @@
         </p:sp>
         <p:sp>
           <p:nvSpPr>
-            <p:cNvPr id="19" name="Isosceles Triangle 18"/>
+            <p:cNvPr id="27" name="Isosceles Triangle 26"/>
             <p:cNvSpPr/>
             <p:nvPr/>
           </p:nvSpPr>
           <p:spPr>
-            <a:xfrm rot="10800000">
-              <a:off x="0" y="0"/>
-              <a:ext cx="842596" cy="5666154"/>
+            <a:xfrm>
+              <a:off x="10371666" y="3589867"/>
+              <a:ext cx="1817159" cy="3268133"/>
             </a:xfrm>
             <a:prstGeom prst="triangle">
               <a:avLst>
@@ -657,7 +679,8 @@
             </a:prstGeom>
             <a:solidFill>
               <a:schemeClr val="accent1">
-                <a:alpha val="85000"/>
+                <a:lumMod val="75000"/>
+                <a:alpha val="66000"/>
               </a:schemeClr>
             </a:solidFill>
             <a:ln>
@@ -703,16 +726,16 @@
           </a:bodyPr>
           <a:lstStyle>
             <a:lvl1pPr algn="r">
-              <a:defRPr sz="5400">
+              <a:defRPr sz="4800">
                 <a:solidFill>
-                  <a:schemeClr val="accent1"/>
+                  <a:srgbClr val="0070C0"/>
                 </a:solidFill>
               </a:defRPr>
             </a:lvl1pPr>
           </a:lstStyle>
           <a:p>
             <a:r>
-              <a:rPr lang="zh-TW" altLang="en-US" smtClean="0"/>
+              <a:rPr lang="zh-TW" altLang="en-US" dirty="0" smtClean="0"/>
               <a:t>按一下以編輯母片標題樣式</a:t>
             </a:r>
             <a:endParaRPr lang="en-US" dirty="0"/>
@@ -855,9 +878,9 @@
           <a:lstStyle/>
           <a:p>
             <a:fld id="{B61BEF0D-F0BB-DE4B-95CE-6DB70DBA9567}" type="datetimeFigureOut">
-              <a:rPr lang="en-US" dirty="0"/>
+              <a:rPr lang="en-US" smtClean="0"/>
               <a:pPr/>
-              <a:t>12/26/2020</a:t>
+              <a:t>12/28/2020</a:t>
             </a:fld>
             <a:endParaRPr lang="en-US" dirty="0"/>
           </a:p>
@@ -898,7 +921,7 @@
           <a:lstStyle/>
           <a:p>
             <a:fld id="{D57F1E4F-1CFF-5643-939E-217C01CDF565}" type="slidenum">
-              <a:rPr lang="en-US" dirty="0"/>
+              <a:rPr lang="en-US" smtClean="0"/>
               <a:pPr/>
               <a:t>‹#›</a:t>
             </a:fld>
@@ -907,17 +930,15 @@
         </p:txBody>
       </p:sp>
     </p:spTree>
+    <p:extLst>
+      <p:ext uri="{BB962C8B-B14F-4D97-AF65-F5344CB8AC3E}">
+        <p14:creationId xmlns:p14="http://schemas.microsoft.com/office/powerpoint/2010/main" val="727518833"/>
+      </p:ext>
+    </p:extLst>
   </p:cSld>
   <p:clrMapOvr>
     <a:masterClrMapping/>
   </p:clrMapOvr>
-  <p:timing>
-    <p:tnLst>
-      <p:par>
-        <p:cTn id="1" dur="indefinite" restart="never" nodeType="tmRoot"/>
-      </p:par>
-    </p:tnLst>
-  </p:timing>
 </p:sldLayout>
 </file>
 
@@ -1110,9 +1131,9 @@
           <a:lstStyle/>
           <a:p>
             <a:fld id="{B61BEF0D-F0BB-DE4B-95CE-6DB70DBA9567}" type="datetimeFigureOut">
-              <a:rPr lang="en-US" dirty="0"/>
+              <a:rPr lang="en-US" smtClean="0"/>
               <a:pPr/>
-              <a:t>12/26/2020</a:t>
+              <a:t>12/28/2020</a:t>
             </a:fld>
             <a:endParaRPr lang="en-US" dirty="0"/>
           </a:p>
@@ -1153,7 +1174,7 @@
           <a:lstStyle/>
           <a:p>
             <a:fld id="{D57F1E4F-1CFF-5643-939E-217C01CDF565}" type="slidenum">
-              <a:rPr lang="en-US" dirty="0"/>
+              <a:rPr lang="en-US" smtClean="0"/>
               <a:pPr/>
               <a:t>‹#›</a:t>
             </a:fld>
@@ -1162,6 +1183,11 @@
         </p:txBody>
       </p:sp>
     </p:spTree>
+    <p:extLst>
+      <p:ext uri="{BB962C8B-B14F-4D97-AF65-F5344CB8AC3E}">
+        <p14:creationId xmlns:p14="http://schemas.microsoft.com/office/powerpoint/2010/main" val="2802382070"/>
+      </p:ext>
+    </p:extLst>
   </p:cSld>
   <p:clrMapOvr>
     <a:masterClrMapping/>
@@ -1421,9 +1447,9 @@
           <a:lstStyle/>
           <a:p>
             <a:fld id="{B61BEF0D-F0BB-DE4B-95CE-6DB70DBA9567}" type="datetimeFigureOut">
-              <a:rPr lang="en-US" dirty="0"/>
+              <a:rPr lang="en-US" smtClean="0"/>
               <a:pPr/>
-              <a:t>12/26/2020</a:t>
+              <a:t>12/28/2020</a:t>
             </a:fld>
             <a:endParaRPr lang="en-US" dirty="0"/>
           </a:p>
@@ -1464,7 +1490,7 @@
           <a:lstStyle/>
           <a:p>
             <a:fld id="{D57F1E4F-1CFF-5643-939E-217C01CDF565}" type="slidenum">
-              <a:rPr lang="en-US" dirty="0"/>
+              <a:rPr lang="en-US" smtClean="0"/>
               <a:pPr/>
               <a:t>‹#›</a:t>
             </a:fld>
@@ -1474,7 +1500,7 @@
       </p:sp>
       <p:sp>
         <p:nvSpPr>
-          <p:cNvPr id="20" name="TextBox 19"/>
+          <p:cNvPr id="24" name="TextBox 23"/>
           <p:cNvSpPr txBox="1"/>
           <p:nvPr/>
         </p:nvSpPr>
@@ -1515,7 +1541,7 @@
       </p:sp>
       <p:sp>
         <p:nvSpPr>
-          <p:cNvPr id="22" name="TextBox 21"/>
+          <p:cNvPr id="25" name="TextBox 24"/>
           <p:cNvSpPr txBox="1"/>
           <p:nvPr/>
         </p:nvSpPr>
@@ -1546,23 +1572,20 @@
                     <a:lumOff val="40000"/>
                   </a:schemeClr>
                 </a:solidFill>
+                <a:effectLst/>
                 <a:latin typeface="Arial"/>
               </a:rPr>
               <a:t>”</a:t>
             </a:r>
-            <a:endParaRPr lang="en-US" dirty="0">
-              <a:solidFill>
-                <a:schemeClr val="accent1">
-                  <a:lumMod val="60000"/>
-                  <a:lumOff val="40000"/>
-                </a:schemeClr>
-              </a:solidFill>
-              <a:latin typeface="Arial"/>
-            </a:endParaRPr>
           </a:p>
         </p:txBody>
       </p:sp>
     </p:spTree>
+    <p:extLst>
+      <p:ext uri="{BB962C8B-B14F-4D97-AF65-F5344CB8AC3E}">
+        <p14:creationId xmlns:p14="http://schemas.microsoft.com/office/powerpoint/2010/main" val="3929453909"/>
+      </p:ext>
+    </p:extLst>
   </p:cSld>
   <p:clrMapOvr>
     <a:masterClrMapping/>
@@ -1759,9 +1782,9 @@
           <a:lstStyle/>
           <a:p>
             <a:fld id="{B61BEF0D-F0BB-DE4B-95CE-6DB70DBA9567}" type="datetimeFigureOut">
-              <a:rPr lang="en-US" dirty="0"/>
+              <a:rPr lang="en-US" smtClean="0"/>
               <a:pPr/>
-              <a:t>12/26/2020</a:t>
+              <a:t>12/28/2020</a:t>
             </a:fld>
             <a:endParaRPr lang="en-US" dirty="0"/>
           </a:p>
@@ -1802,7 +1825,7 @@
           <a:lstStyle/>
           <a:p>
             <a:fld id="{D57F1E4F-1CFF-5643-939E-217C01CDF565}" type="slidenum">
-              <a:rPr lang="en-US" dirty="0"/>
+              <a:rPr lang="en-US" smtClean="0"/>
               <a:pPr/>
               <a:t>‹#›</a:t>
             </a:fld>
@@ -1811,6 +1834,11 @@
         </p:txBody>
       </p:sp>
     </p:spTree>
+    <p:extLst>
+      <p:ext uri="{BB962C8B-B14F-4D97-AF65-F5344CB8AC3E}">
+        <p14:creationId xmlns:p14="http://schemas.microsoft.com/office/powerpoint/2010/main" val="2110026517"/>
+      </p:ext>
+    </p:extLst>
   </p:cSld>
   <p:clrMapOvr>
     <a:masterClrMapping/>
@@ -2070,9 +2098,9 @@
           <a:lstStyle/>
           <a:p>
             <a:fld id="{B61BEF0D-F0BB-DE4B-95CE-6DB70DBA9567}" type="datetimeFigureOut">
-              <a:rPr lang="en-US" dirty="0"/>
+              <a:rPr lang="en-US" smtClean="0"/>
               <a:pPr/>
-              <a:t>12/26/2020</a:t>
+              <a:t>12/28/2020</a:t>
             </a:fld>
             <a:endParaRPr lang="en-US" dirty="0"/>
           </a:p>
@@ -2113,7 +2141,7 @@
           <a:lstStyle/>
           <a:p>
             <a:fld id="{D57F1E4F-1CFF-5643-939E-217C01CDF565}" type="slidenum">
-              <a:rPr lang="en-US" dirty="0"/>
+              <a:rPr lang="en-US" smtClean="0"/>
               <a:pPr/>
               <a:t>‹#›</a:t>
             </a:fld>
@@ -2204,6 +2232,11 @@
         </p:txBody>
       </p:sp>
     </p:spTree>
+    <p:extLst>
+      <p:ext uri="{BB962C8B-B14F-4D97-AF65-F5344CB8AC3E}">
+        <p14:creationId xmlns:p14="http://schemas.microsoft.com/office/powerpoint/2010/main" val="9033103"/>
+      </p:ext>
+    </p:extLst>
   </p:cSld>
   <p:clrMapOvr>
     <a:masterClrMapping/>
@@ -2460,9 +2493,9 @@
           <a:lstStyle/>
           <a:p>
             <a:fld id="{B61BEF0D-F0BB-DE4B-95CE-6DB70DBA9567}" type="datetimeFigureOut">
-              <a:rPr lang="en-US" dirty="0"/>
+              <a:rPr lang="en-US" smtClean="0"/>
               <a:pPr/>
-              <a:t>12/26/2020</a:t>
+              <a:t>12/28/2020</a:t>
             </a:fld>
             <a:endParaRPr lang="en-US" dirty="0"/>
           </a:p>
@@ -2503,7 +2536,7 @@
           <a:lstStyle/>
           <a:p>
             <a:fld id="{D57F1E4F-1CFF-5643-939E-217C01CDF565}" type="slidenum">
-              <a:rPr lang="en-US" dirty="0"/>
+              <a:rPr lang="en-US" smtClean="0"/>
               <a:pPr/>
               <a:t>‹#›</a:t>
             </a:fld>
@@ -2512,6 +2545,11 @@
         </p:txBody>
       </p:sp>
     </p:spTree>
+    <p:extLst>
+      <p:ext uri="{BB962C8B-B14F-4D97-AF65-F5344CB8AC3E}">
+        <p14:creationId xmlns:p14="http://schemas.microsoft.com/office/powerpoint/2010/main" val="3264863829"/>
+      </p:ext>
+    </p:extLst>
   </p:cSld>
   <p:clrMapOvr>
     <a:masterClrMapping/>
@@ -2627,8 +2665,8 @@
           <a:lstStyle/>
           <a:p>
             <a:fld id="{55C6B4A9-1611-4792-9094-5F34BCA07E0B}" type="datetimeFigureOut">
-              <a:rPr lang="en-US" dirty="0"/>
-              <a:t>12/26/2020</a:t>
+              <a:rPr lang="en-US" smtClean="0"/>
+              <a:t>12/28/2020</a:t>
             </a:fld>
             <a:endParaRPr lang="en-US" dirty="0"/>
           </a:p>
@@ -2669,7 +2707,7 @@
           <a:lstStyle/>
           <a:p>
             <a:fld id="{89333C77-0158-454C-844F-B7AB9BD7DAD4}" type="slidenum">
-              <a:rPr lang="en-US" dirty="0"/>
+              <a:rPr lang="en-US" smtClean="0"/>
               <a:t>‹#›</a:t>
             </a:fld>
             <a:endParaRPr lang="en-US" dirty="0"/>
@@ -2677,6 +2715,11 @@
         </p:txBody>
       </p:sp>
     </p:spTree>
+    <p:extLst>
+      <p:ext uri="{BB962C8B-B14F-4D97-AF65-F5344CB8AC3E}">
+        <p14:creationId xmlns:p14="http://schemas.microsoft.com/office/powerpoint/2010/main" val="1884588880"/>
+      </p:ext>
+    </p:extLst>
   </p:cSld>
   <p:clrMapOvr>
     <a:masterClrMapping/>
@@ -2802,9 +2845,9 @@
           <a:lstStyle/>
           <a:p>
             <a:fld id="{B61BEF0D-F0BB-DE4B-95CE-6DB70DBA9567}" type="datetimeFigureOut">
-              <a:rPr lang="en-US" dirty="0"/>
+              <a:rPr lang="en-US" smtClean="0"/>
               <a:pPr/>
-              <a:t>12/26/2020</a:t>
+              <a:t>12/28/2020</a:t>
             </a:fld>
             <a:endParaRPr lang="en-US" dirty="0"/>
           </a:p>
@@ -2845,7 +2888,7 @@
           <a:lstStyle/>
           <a:p>
             <a:fld id="{D57F1E4F-1CFF-5643-939E-217C01CDF565}" type="slidenum">
-              <a:rPr lang="en-US" dirty="0"/>
+              <a:rPr lang="en-US" smtClean="0"/>
               <a:pPr/>
               <a:t>‹#›</a:t>
             </a:fld>
@@ -2854,6 +2897,11 @@
         </p:txBody>
       </p:sp>
     </p:spTree>
+    <p:extLst>
+      <p:ext uri="{BB962C8B-B14F-4D97-AF65-F5344CB8AC3E}">
+        <p14:creationId xmlns:p14="http://schemas.microsoft.com/office/powerpoint/2010/main" val="1811265747"/>
+      </p:ext>
+    </p:extLst>
   </p:cSld>
   <p:clrMapOvr>
     <a:masterClrMapping/>
@@ -2890,14 +2938,8 @@
         </p:nvSpPr>
         <p:spPr/>
         <p:txBody>
-          <a:bodyPr>
-            <a:normAutofit/>
-          </a:bodyPr>
-          <a:lstStyle>
-            <a:lvl1pPr>
-              <a:defRPr sz="3600"/>
-            </a:lvl1pPr>
-          </a:lstStyle>
+          <a:bodyPr/>
+          <a:lstStyle/>
           <a:p>
             <a:r>
               <a:rPr lang="zh-TW" altLang="en-US" smtClean="0"/>
@@ -2975,9 +3017,9 @@
           <a:lstStyle/>
           <a:p>
             <a:fld id="{B61BEF0D-F0BB-DE4B-95CE-6DB70DBA9567}" type="datetimeFigureOut">
-              <a:rPr lang="en-US" dirty="0"/>
+              <a:rPr lang="en-US" smtClean="0"/>
               <a:pPr/>
-              <a:t>12/26/2020</a:t>
+              <a:t>12/28/2020</a:t>
             </a:fld>
             <a:endParaRPr lang="en-US" dirty="0"/>
           </a:p>
@@ -3018,7 +3060,7 @@
           <a:lstStyle/>
           <a:p>
             <a:fld id="{D57F1E4F-1CFF-5643-939E-217C01CDF565}" type="slidenum">
-              <a:rPr lang="en-US" dirty="0"/>
+              <a:rPr lang="en-US" smtClean="0"/>
               <a:pPr/>
               <a:t>‹#›</a:t>
             </a:fld>
@@ -3027,17 +3069,15 @@
         </p:txBody>
       </p:sp>
     </p:spTree>
+    <p:extLst>
+      <p:ext uri="{BB962C8B-B14F-4D97-AF65-F5344CB8AC3E}">
+        <p14:creationId xmlns:p14="http://schemas.microsoft.com/office/powerpoint/2010/main" val="3402222171"/>
+      </p:ext>
+    </p:extLst>
   </p:cSld>
   <p:clrMapOvr>
     <a:masterClrMapping/>
   </p:clrMapOvr>
-  <p:timing>
-    <p:tnLst>
-      <p:par>
-        <p:cTn id="1" dur="indefinite" restart="never" nodeType="tmRoot"/>
-      </p:par>
-    </p:tnLst>
-  </p:timing>
 </p:sldLayout>
 </file>
 
@@ -3226,9 +3266,9 @@
           <a:lstStyle/>
           <a:p>
             <a:fld id="{B61BEF0D-F0BB-DE4B-95CE-6DB70DBA9567}" type="datetimeFigureOut">
-              <a:rPr lang="en-US" dirty="0"/>
+              <a:rPr lang="en-US" smtClean="0"/>
               <a:pPr/>
-              <a:t>12/26/2020</a:t>
+              <a:t>12/28/2020</a:t>
             </a:fld>
             <a:endParaRPr lang="en-US" dirty="0"/>
           </a:p>
@@ -3269,7 +3309,7 @@
           <a:lstStyle/>
           <a:p>
             <a:fld id="{D57F1E4F-1CFF-5643-939E-217C01CDF565}" type="slidenum">
-              <a:rPr lang="en-US" dirty="0"/>
+              <a:rPr lang="en-US" smtClean="0"/>
               <a:pPr/>
               <a:t>‹#›</a:t>
             </a:fld>
@@ -3278,17 +3318,15 @@
         </p:txBody>
       </p:sp>
     </p:spTree>
+    <p:extLst>
+      <p:ext uri="{BB962C8B-B14F-4D97-AF65-F5344CB8AC3E}">
+        <p14:creationId xmlns:p14="http://schemas.microsoft.com/office/powerpoint/2010/main" val="2206454512"/>
+      </p:ext>
+    </p:extLst>
   </p:cSld>
   <p:clrMapOvr>
     <a:masterClrMapping/>
   </p:clrMapOvr>
-  <p:timing>
-    <p:tnLst>
-      <p:par>
-        <p:cTn id="1" dur="indefinite" restart="never" nodeType="tmRoot"/>
-      </p:par>
-    </p:tnLst>
-  </p:timing>
 </p:sldLayout>
 </file>
 
@@ -3462,8 +3500,8 @@
           <a:lstStyle/>
           <a:p>
             <a:fld id="{EB712588-04B1-427B-82EE-E8DB90309F08}" type="datetimeFigureOut">
-              <a:rPr lang="en-US" dirty="0"/>
-              <a:t>12/26/2020</a:t>
+              <a:rPr lang="en-US" smtClean="0"/>
+              <a:t>12/28/2020</a:t>
             </a:fld>
             <a:endParaRPr lang="en-US" dirty="0"/>
           </a:p>
@@ -3504,7 +3542,7 @@
           <a:lstStyle/>
           <a:p>
             <a:fld id="{6FF9F0C5-380F-41C2-899A-BAC0F0927E16}" type="slidenum">
-              <a:rPr lang="en-US" dirty="0"/>
+              <a:rPr lang="en-US" smtClean="0"/>
               <a:t>‹#›</a:t>
             </a:fld>
             <a:endParaRPr lang="en-US" dirty="0"/>
@@ -3512,17 +3550,15 @@
         </p:txBody>
       </p:sp>
     </p:spTree>
+    <p:extLst>
+      <p:ext uri="{BB962C8B-B14F-4D97-AF65-F5344CB8AC3E}">
+        <p14:creationId xmlns:p14="http://schemas.microsoft.com/office/powerpoint/2010/main" val="1913260741"/>
+      </p:ext>
+    </p:extLst>
   </p:cSld>
   <p:clrMapOvr>
     <a:masterClrMapping/>
   </p:clrMapOvr>
-  <p:timing>
-    <p:tnLst>
-      <p:par>
-        <p:cTn id="1" dur="indefinite" restart="never" nodeType="tmRoot"/>
-      </p:par>
-    </p:tnLst>
-  </p:timing>
 </p:sldLayout>
 </file>
 
@@ -3838,9 +3874,9 @@
           <a:lstStyle/>
           <a:p>
             <a:fld id="{B61BEF0D-F0BB-DE4B-95CE-6DB70DBA9567}" type="datetimeFigureOut">
-              <a:rPr lang="en-US" dirty="0"/>
+              <a:rPr lang="en-US" smtClean="0"/>
               <a:pPr/>
-              <a:t>12/26/2020</a:t>
+              <a:t>12/28/2020</a:t>
             </a:fld>
             <a:endParaRPr lang="en-US" dirty="0"/>
           </a:p>
@@ -3881,7 +3917,7 @@
           <a:lstStyle/>
           <a:p>
             <a:fld id="{D57F1E4F-1CFF-5643-939E-217C01CDF565}" type="slidenum">
-              <a:rPr lang="en-US" dirty="0"/>
+              <a:rPr lang="en-US" smtClean="0"/>
               <a:pPr/>
               <a:t>‹#›</a:t>
             </a:fld>
@@ -3890,6 +3926,11 @@
         </p:txBody>
       </p:sp>
     </p:spTree>
+    <p:extLst>
+      <p:ext uri="{BB962C8B-B14F-4D97-AF65-F5344CB8AC3E}">
+        <p14:creationId xmlns:p14="http://schemas.microsoft.com/office/powerpoint/2010/main" val="3110164168"/>
+      </p:ext>
+    </p:extLst>
   </p:cSld>
   <p:clrMapOvr>
     <a:masterClrMapping/>
@@ -3958,9 +3999,9 @@
           <a:lstStyle/>
           <a:p>
             <a:fld id="{B61BEF0D-F0BB-DE4B-95CE-6DB70DBA9567}" type="datetimeFigureOut">
-              <a:rPr lang="en-US" dirty="0"/>
+              <a:rPr lang="en-US" smtClean="0"/>
               <a:pPr/>
-              <a:t>12/26/2020</a:t>
+              <a:t>12/28/2020</a:t>
             </a:fld>
             <a:endParaRPr lang="en-US" dirty="0"/>
           </a:p>
@@ -4001,7 +4042,7 @@
           <a:lstStyle/>
           <a:p>
             <a:fld id="{D57F1E4F-1CFF-5643-939E-217C01CDF565}" type="slidenum">
-              <a:rPr lang="en-US" dirty="0"/>
+              <a:rPr lang="en-US" smtClean="0"/>
               <a:pPr/>
               <a:t>‹#›</a:t>
             </a:fld>
@@ -4010,6 +4051,11 @@
         </p:txBody>
       </p:sp>
     </p:spTree>
+    <p:extLst>
+      <p:ext uri="{BB962C8B-B14F-4D97-AF65-F5344CB8AC3E}">
+        <p14:creationId xmlns:p14="http://schemas.microsoft.com/office/powerpoint/2010/main" val="227898453"/>
+      </p:ext>
+    </p:extLst>
   </p:cSld>
   <p:clrMapOvr>
     <a:masterClrMapping/>
@@ -4050,9 +4096,9 @@
           <a:lstStyle/>
           <a:p>
             <a:fld id="{B61BEF0D-F0BB-DE4B-95CE-6DB70DBA9567}" type="datetimeFigureOut">
-              <a:rPr lang="en-US" dirty="0"/>
+              <a:rPr lang="en-US" smtClean="0"/>
               <a:pPr/>
-              <a:t>12/26/2020</a:t>
+              <a:t>12/28/2020</a:t>
             </a:fld>
             <a:endParaRPr lang="en-US" dirty="0"/>
           </a:p>
@@ -4093,7 +4139,7 @@
           <a:lstStyle/>
           <a:p>
             <a:fld id="{D57F1E4F-1CFF-5643-939E-217C01CDF565}" type="slidenum">
-              <a:rPr lang="en-US" dirty="0"/>
+              <a:rPr lang="en-US" smtClean="0"/>
               <a:pPr/>
               <a:t>‹#›</a:t>
             </a:fld>
@@ -4102,6 +4148,11 @@
         </p:txBody>
       </p:sp>
     </p:spTree>
+    <p:extLst>
+      <p:ext uri="{BB962C8B-B14F-4D97-AF65-F5344CB8AC3E}">
+        <p14:creationId xmlns:p14="http://schemas.microsoft.com/office/powerpoint/2010/main" val="3032161223"/>
+      </p:ext>
+    </p:extLst>
   </p:cSld>
   <p:clrMapOvr>
     <a:masterClrMapping/>
@@ -4302,8 +4353,8 @@
           <a:lstStyle/>
           <a:p>
             <a:fld id="{42A54C80-263E-416B-A8E0-580EDEADCBDC}" type="datetimeFigureOut">
-              <a:rPr lang="en-US" dirty="0"/>
-              <a:t>12/26/2020</a:t>
+              <a:rPr lang="en-US" smtClean="0"/>
+              <a:t>12/28/2020</a:t>
             </a:fld>
             <a:endParaRPr lang="en-US" dirty="0"/>
           </a:p>
@@ -4344,7 +4395,7 @@
           <a:lstStyle/>
           <a:p>
             <a:fld id="{519954A3-9DFD-4C44-94BA-B95130A3BA1C}" type="slidenum">
-              <a:rPr lang="en-US" dirty="0"/>
+              <a:rPr lang="en-US" smtClean="0"/>
               <a:t>‹#›</a:t>
             </a:fld>
             <a:endParaRPr lang="en-US" dirty="0"/>
@@ -4352,6 +4403,11 @@
         </p:txBody>
       </p:sp>
     </p:spTree>
+    <p:extLst>
+      <p:ext uri="{BB962C8B-B14F-4D97-AF65-F5344CB8AC3E}">
+        <p14:creationId xmlns:p14="http://schemas.microsoft.com/office/powerpoint/2010/main" val="38249821"/>
+      </p:ext>
+    </p:extLst>
   </p:cSld>
   <p:clrMapOvr>
     <a:masterClrMapping/>
@@ -4546,12 +4602,12 @@
       </p:sp>
       <p:sp>
         <p:nvSpPr>
-          <p:cNvPr id="5" name="Date Placeholder 4"/>
-          <p:cNvSpPr>
-            <a:spLocks noGrp="1"/>
-          </p:cNvSpPr>
-          <p:nvPr>
-            <p:ph type="dt" sz="half" idx="10"/>
+          <p:cNvPr id="6" name="Footer Placeholder 5"/>
+          <p:cNvSpPr>
+            <a:spLocks noGrp="1"/>
+          </p:cNvSpPr>
+          <p:nvPr>
+            <p:ph type="ftr" sz="quarter" idx="11"/>
           </p:nvPr>
         </p:nvSpPr>
         <p:spPr/>
@@ -4559,23 +4615,18 @@
           <a:bodyPr/>
           <a:lstStyle/>
           <a:p>
-            <a:fld id="{B61BEF0D-F0BB-DE4B-95CE-6DB70DBA9567}" type="datetimeFigureOut">
-              <a:rPr lang="en-US" dirty="0"/>
-              <a:pPr/>
-              <a:t>12/26/2020</a:t>
-            </a:fld>
             <a:endParaRPr lang="en-US" dirty="0"/>
           </a:p>
         </p:txBody>
       </p:sp>
       <p:sp>
         <p:nvSpPr>
-          <p:cNvPr id="6" name="Footer Placeholder 5"/>
-          <p:cNvSpPr>
-            <a:spLocks noGrp="1"/>
-          </p:cNvSpPr>
-          <p:nvPr>
-            <p:ph type="ftr" sz="quarter" idx="11"/>
+          <p:cNvPr id="7" name="Slide Number Placeholder 6"/>
+          <p:cNvSpPr>
+            <a:spLocks noGrp="1"/>
+          </p:cNvSpPr>
+          <p:nvPr>
+            <p:ph type="sldNum" sz="quarter" idx="12"/>
           </p:nvPr>
         </p:nvSpPr>
         <p:spPr/>
@@ -4583,27 +4634,8 @@
           <a:bodyPr/>
           <a:lstStyle/>
           <a:p>
-            <a:endParaRPr lang="en-US" dirty="0"/>
-          </a:p>
-        </p:txBody>
-      </p:sp>
-      <p:sp>
-        <p:nvSpPr>
-          <p:cNvPr id="7" name="Slide Number Placeholder 6"/>
-          <p:cNvSpPr>
-            <a:spLocks noGrp="1"/>
-          </p:cNvSpPr>
-          <p:nvPr>
-            <p:ph type="sldNum" sz="quarter" idx="12"/>
-          </p:nvPr>
-        </p:nvSpPr>
-        <p:spPr/>
-        <p:txBody>
-          <a:bodyPr/>
-          <a:lstStyle/>
-          <a:p>
             <a:fld id="{D57F1E4F-1CFF-5643-939E-217C01CDF565}" type="slidenum">
-              <a:rPr lang="en-US" dirty="0"/>
+              <a:rPr lang="en-US" smtClean="0"/>
               <a:pPr/>
               <a:t>‹#›</a:t>
             </a:fld>
@@ -4611,7 +4643,36 @@
           </a:p>
         </p:txBody>
       </p:sp>
+      <p:sp>
+        <p:nvSpPr>
+          <p:cNvPr id="5" name="Date Placeholder 4"/>
+          <p:cNvSpPr>
+            <a:spLocks noGrp="1"/>
+          </p:cNvSpPr>
+          <p:nvPr>
+            <p:ph type="dt" sz="half" idx="10"/>
+          </p:nvPr>
+        </p:nvSpPr>
+        <p:spPr/>
+        <p:txBody>
+          <a:bodyPr/>
+          <a:lstStyle/>
+          <a:p>
+            <a:fld id="{B61BEF0D-F0BB-DE4B-95CE-6DB70DBA9567}" type="datetimeFigureOut">
+              <a:rPr lang="en-US" smtClean="0"/>
+              <a:pPr/>
+              <a:t>12/28/2020</a:t>
+            </a:fld>
+            <a:endParaRPr lang="en-US" dirty="0"/>
+          </a:p>
+        </p:txBody>
+      </p:sp>
     </p:spTree>
+    <p:extLst>
+      <p:ext uri="{BB962C8B-B14F-4D97-AF65-F5344CB8AC3E}">
+        <p14:creationId xmlns:p14="http://schemas.microsoft.com/office/powerpoint/2010/main" val="4129614655"/>
+      </p:ext>
+    </p:extLst>
   </p:cSld>
   <p:clrMapOvr>
     <a:masterClrMapping/>
@@ -4643,7 +4704,7 @@
       </p:grpSpPr>
       <p:grpSp>
         <p:nvGrpSpPr>
-          <p:cNvPr id="7" name="Group 6"/>
+          <p:cNvPr id="44" name="Group 43"/>
           <p:cNvGrpSpPr/>
           <p:nvPr/>
         </p:nvGrpSpPr>
@@ -4671,8 +4732,8 @@
             </a:prstGeom>
             <a:ln w="9525">
               <a:solidFill>
-                <a:schemeClr val="bg1">
-                  <a:lumMod val="75000"/>
+                <a:schemeClr val="accent1">
+                  <a:alpha val="70000"/>
                 </a:schemeClr>
               </a:solidFill>
             </a:ln>
@@ -4708,8 +4769,8 @@
             </a:prstGeom>
             <a:ln w="9525">
               <a:solidFill>
-                <a:schemeClr val="bg1">
-                  <a:lumMod val="85000"/>
+                <a:schemeClr val="accent1">
+                  <a:alpha val="70000"/>
                 </a:schemeClr>
               </a:solidFill>
             </a:ln>
@@ -4769,7 +4830,7 @@
             </a:custGeom>
             <a:solidFill>
               <a:schemeClr val="accent1">
-                <a:alpha val="30000"/>
+                <a:alpha val="36000"/>
               </a:schemeClr>
             </a:solidFill>
             <a:ln>
@@ -4872,8 +4933,9 @@
               </a:avLst>
             </a:prstGeom>
             <a:solidFill>
-              <a:schemeClr val="accent2">
-                <a:alpha val="72000"/>
+              <a:schemeClr val="accent1">
+                <a:lumMod val="75000"/>
+                <a:alpha val="66000"/>
               </a:schemeClr>
             </a:solidFill>
             <a:ln>
@@ -4935,9 +4997,9 @@
               </a:pathLst>
             </a:custGeom>
             <a:solidFill>
-              <a:schemeClr val="accent2">
+              <a:schemeClr val="accent1">
                 <a:lumMod val="75000"/>
-                <a:alpha val="70000"/>
+                <a:alpha val="50000"/>
               </a:schemeClr>
             </a:solidFill>
             <a:ln>
@@ -4999,9 +5061,7 @@
               </a:pathLst>
             </a:custGeom>
             <a:solidFill>
-              <a:schemeClr val="accent1">
-                <a:lumMod val="60000"/>
-                <a:lumOff val="40000"/>
+              <a:schemeClr val="accent2">
                 <a:alpha val="70000"/>
               </a:schemeClr>
             </a:solidFill>
@@ -5064,8 +5124,9 @@
               </a:pathLst>
             </a:custGeom>
             <a:solidFill>
-              <a:schemeClr val="accent1">
-                <a:alpha val="65000"/>
+              <a:schemeClr val="accent2">
+                <a:lumMod val="75000"/>
+                <a:alpha val="80000"/>
               </a:schemeClr>
             </a:solidFill>
             <a:ln>
@@ -5106,7 +5167,8 @@
             </a:prstGeom>
             <a:solidFill>
               <a:schemeClr val="accent1">
-                <a:alpha val="80000"/>
+                <a:lumMod val="75000"/>
+                <a:alpha val="66000"/>
               </a:schemeClr>
             </a:solidFill>
             <a:ln>
@@ -5131,7 +5193,7 @@
         </p:sp>
         <p:sp>
           <p:nvSpPr>
-            <p:cNvPr id="29" name="Isosceles Triangle 28"/>
+            <p:cNvPr id="19" name="Isosceles Triangle 18"/>
             <p:cNvSpPr/>
             <p:nvPr/>
           </p:nvSpPr>
@@ -5147,7 +5209,7 @@
             </a:prstGeom>
             <a:solidFill>
               <a:schemeClr val="accent1">
-                <a:alpha val="85000"/>
+                <a:alpha val="70000"/>
               </a:schemeClr>
             </a:solidFill>
             <a:ln>
@@ -5197,7 +5259,7 @@
           <a:lstStyle/>
           <a:p>
             <a:r>
-              <a:rPr lang="zh-TW" altLang="en-US" smtClean="0"/>
+              <a:rPr lang="zh-TW" altLang="en-US" dirty="0" smtClean="0"/>
               <a:t>按一下以編輯母片標題樣式</a:t>
             </a:r>
             <a:endParaRPr lang="en-US" dirty="0"/>
@@ -5300,9 +5362,9 @@
           </a:lstStyle>
           <a:p>
             <a:fld id="{B61BEF0D-F0BB-DE4B-95CE-6DB70DBA9567}" type="datetimeFigureOut">
-              <a:rPr lang="en-US" dirty="0"/>
+              <a:rPr lang="en-US" smtClean="0"/>
               <a:pPr/>
-              <a:t>12/26/2020</a:t>
+              <a:t>12/28/2020</a:t>
             </a:fld>
             <a:endParaRPr lang="en-US" dirty="0"/>
           </a:p>
@@ -5377,7 +5439,7 @@
           </a:lstStyle>
           <a:p>
             <a:fld id="{D57F1E4F-1CFF-5643-939E-217C01CDF565}" type="slidenum">
-              <a:rPr lang="en-US" dirty="0"/>
+              <a:rPr lang="en-US" smtClean="0"/>
               <a:pPr/>
               <a:t>‹#›</a:t>
             </a:fld>
@@ -5427,33 +5489,31 @@
         </p:spPr>
       </p:pic>
     </p:spTree>
+    <p:extLst>
+      <p:ext uri="{BB962C8B-B14F-4D97-AF65-F5344CB8AC3E}">
+        <p14:creationId xmlns:p14="http://schemas.microsoft.com/office/powerpoint/2010/main" val="828731641"/>
+      </p:ext>
+    </p:extLst>
   </p:cSld>
   <p:clrMap bg1="lt1" tx1="dk1" bg2="lt2" tx2="dk2" accent1="accent1" accent2="accent2" accent3="accent3" accent4="accent4" accent5="accent5" accent6="accent6" hlink="hlink" folHlink="folHlink"/>
   <p:sldLayoutIdLst>
-    <p:sldLayoutId id="2147483649" r:id="rId1"/>
-    <p:sldLayoutId id="2147483650" r:id="rId2"/>
-    <p:sldLayoutId id="2147483651" r:id="rId3"/>
-    <p:sldLayoutId id="2147483665" r:id="rId4"/>
-    <p:sldLayoutId id="2147483653" r:id="rId5"/>
-    <p:sldLayoutId id="2147483654" r:id="rId6"/>
-    <p:sldLayoutId id="2147483655" r:id="rId7"/>
-    <p:sldLayoutId id="2147483666" r:id="rId8"/>
-    <p:sldLayoutId id="2147483657" r:id="rId9"/>
-    <p:sldLayoutId id="2147483660" r:id="rId10"/>
-    <p:sldLayoutId id="2147483661" r:id="rId11"/>
-    <p:sldLayoutId id="2147483662" r:id="rId12"/>
-    <p:sldLayoutId id="2147483663" r:id="rId13"/>
-    <p:sldLayoutId id="2147483664" r:id="rId14"/>
-    <p:sldLayoutId id="2147483667" r:id="rId15"/>
-    <p:sldLayoutId id="2147483659" r:id="rId16"/>
+    <p:sldLayoutId id="2147483669" r:id="rId1"/>
+    <p:sldLayoutId id="2147483670" r:id="rId2"/>
+    <p:sldLayoutId id="2147483671" r:id="rId3"/>
+    <p:sldLayoutId id="2147483672" r:id="rId4"/>
+    <p:sldLayoutId id="2147483673" r:id="rId5"/>
+    <p:sldLayoutId id="2147483674" r:id="rId6"/>
+    <p:sldLayoutId id="2147483675" r:id="rId7"/>
+    <p:sldLayoutId id="2147483676" r:id="rId8"/>
+    <p:sldLayoutId id="2147483677" r:id="rId9"/>
+    <p:sldLayoutId id="2147483678" r:id="rId10"/>
+    <p:sldLayoutId id="2147483679" r:id="rId11"/>
+    <p:sldLayoutId id="2147483680" r:id="rId12"/>
+    <p:sldLayoutId id="2147483681" r:id="rId13"/>
+    <p:sldLayoutId id="2147483682" r:id="rId14"/>
+    <p:sldLayoutId id="2147483683" r:id="rId15"/>
+    <p:sldLayoutId id="2147483684" r:id="rId16"/>
   </p:sldLayoutIdLst>
-  <p:timing>
-    <p:tnLst>
-      <p:par>
-        <p:cTn id="1" dur="indefinite" restart="never" nodeType="tmRoot"/>
-      </p:par>
-    </p:tnLst>
-  </p:timing>
   <p:txStyles>
     <p:titleStyle>
       <a:lvl1pPr algn="l" defTabSz="457200" rtl="0" eaLnBrk="1" latinLnBrk="0" hangingPunct="1">
@@ -5463,7 +5523,7 @@
         <a:buNone/>
         <a:defRPr sz="3600" kern="1200">
           <a:solidFill>
-            <a:schemeClr val="accent1"/>
+            <a:srgbClr val="0070C0"/>
           </a:solidFill>
           <a:latin typeface="+mj-lt"/>
           <a:ea typeface="+mj-ea"/>
@@ -6559,11 +6619,7 @@
             </a:r>
             <a:r>
               <a:rPr lang="en-US" altLang="zh-TW" dirty="0" smtClean="0"/>
-              <a:t> </a:t>
-            </a:r>
-            <a:r>
-              <a:rPr lang="en-US" altLang="zh-TW" dirty="0" smtClean="0"/>
-              <a:t>Console</a:t>
+              <a:t> Console</a:t>
             </a:r>
             <a:r>
               <a:rPr lang="zh-TW" altLang="en-US" dirty="0" smtClean="0"/>
@@ -7002,18 +7058,13 @@
           <a:p>
             <a:pPr lvl="1"/>
             <a:r>
-              <a:rPr lang="en-US" altLang="zh-TW" dirty="0">
-                <a:hlinkClick r:id="rId2"/>
-              </a:rPr>
+              <a:rPr lang="en-US" altLang="zh-TW" dirty="0"/>
               <a:t>https://www.spyder-ide.org</a:t>
             </a:r>
             <a:r>
-              <a:rPr lang="en-US" altLang="zh-TW" dirty="0" smtClean="0">
-                <a:hlinkClick r:id="rId2"/>
-              </a:rPr>
+              <a:rPr lang="en-US" altLang="zh-TW" dirty="0" smtClean="0"/>
               <a:t>/</a:t>
             </a:r>
-            <a:endParaRPr lang="en-US" altLang="zh-TW" dirty="0" smtClean="0"/>
           </a:p>
           <a:p>
             <a:r>
@@ -7052,7 +7103,7 @@
           <p:nvPr/>
         </p:nvPicPr>
         <p:blipFill>
-          <a:blip r:embed="rId3"/>
+          <a:blip r:embed="rId2"/>
           <a:stretch>
             <a:fillRect/>
           </a:stretch>
@@ -7065,6 +7116,11 @@
           <a:prstGeom prst="rect">
             <a:avLst/>
           </a:prstGeom>
+          <a:ln>
+            <a:solidFill>
+              <a:schemeClr val="accent1"/>
+            </a:solidFill>
+          </a:ln>
         </p:spPr>
       </p:pic>
       <p:sp>
@@ -7122,7 +7178,7 @@
           <p:nvPr/>
         </p:nvPicPr>
         <p:blipFill>
-          <a:blip r:embed="rId4"/>
+          <a:blip r:embed="rId3"/>
           <a:stretch>
             <a:fillRect/>
           </a:stretch>
@@ -8825,7 +8881,7 @@
 <file path=ppt/theme/theme1.xml><?xml version="1.0" encoding="utf-8"?>
 <a:theme xmlns:a="http://schemas.openxmlformats.org/drawingml/2006/main" name="多面向">
   <a:themeElements>
-    <a:clrScheme name="Facet">
+    <a:clrScheme name="多面向">
       <a:dk1>
         <a:sysClr val="windowText" lastClr="000000"/>
       </a:dk1>
@@ -8839,31 +8895,31 @@
         <a:srgbClr val="EBEBEB"/>
       </a:lt2>
       <a:accent1>
-        <a:srgbClr val="90C226"/>
+        <a:srgbClr val="5FCBEF"/>
       </a:accent1>
       <a:accent2>
-        <a:srgbClr val="54A021"/>
+        <a:srgbClr val="2E83C3"/>
       </a:accent2>
       <a:accent3>
-        <a:srgbClr val="E6B91E"/>
+        <a:srgbClr val="42D0A2"/>
       </a:accent3>
       <a:accent4>
-        <a:srgbClr val="E76618"/>
+        <a:srgbClr val="2E946B"/>
       </a:accent4>
       <a:accent5>
-        <a:srgbClr val="C42F1A"/>
+        <a:srgbClr val="42B051"/>
       </a:accent5>
       <a:accent6>
-        <a:srgbClr val="918655"/>
+        <a:srgbClr val="96D141"/>
       </a:accent6>
       <a:hlink>
-        <a:srgbClr val="99CA3C"/>
+        <a:srgbClr val="3FCDE7"/>
       </a:hlink>
       <a:folHlink>
-        <a:srgbClr val="B9D181"/>
+        <a:srgbClr val="A9D3E1"/>
       </a:folHlink>
     </a:clrScheme>
-    <a:fontScheme name="Facet">
+    <a:fontScheme name="多面向">
       <a:majorFont>
         <a:latin typeface="Trebuchet MS" panose="020B0603020202020204"/>
         <a:ea typeface=""/>
@@ -8935,7 +8991,7 @@
         <a:font script="Geor" typeface="Sylfaen"/>
       </a:minorFont>
     </a:fontScheme>
-    <a:fmtScheme name="Facet">
+    <a:fmtScheme name="多面向">
       <a:fillStyleLst>
         <a:solidFill>
           <a:schemeClr val="phClr"/>
@@ -9073,7 +9129,7 @@
   <a:extraClrSchemeLst/>
   <a:extLst>
     <a:ext uri="{05A4C25C-085E-4340-85A3-A5531E510DB2}">
-      <thm15:themeFamily xmlns:thm15="http://schemas.microsoft.com/office/thememl/2012/main" name="Facet" id="{C0C680CD-088A-49FC-A102-D699147F32B2}" vid="{CFBC31BA-B70F-4F30-BCAA-4F3011E16C4D}"/>
+      <thm15:themeFamily xmlns:thm15="http://schemas.microsoft.com/office/thememl/2012/main" name="Facet" id="{C0C680CD-088A-49FC-A102-D699147F32B2}" vid="{0B5AB586-D108-4FC1-8368-649FE654B894}"/>
     </a:ext>
   </a:extLst>
 </a:theme>

--- a/LCC/Python/00_Spyder環境建置.pptx
+++ b/LCC/Python/00_Spyder環境建置.pptx
@@ -880,7 +880,7 @@
             <a:fld id="{B61BEF0D-F0BB-DE4B-95CE-6DB70DBA9567}" type="datetimeFigureOut">
               <a:rPr lang="en-US" smtClean="0"/>
               <a:pPr/>
-              <a:t>12/28/2020</a:t>
+              <a:t>12/30/2020</a:t>
             </a:fld>
             <a:endParaRPr lang="en-US" dirty="0"/>
           </a:p>
@@ -1133,7 +1133,7 @@
             <a:fld id="{B61BEF0D-F0BB-DE4B-95CE-6DB70DBA9567}" type="datetimeFigureOut">
               <a:rPr lang="en-US" smtClean="0"/>
               <a:pPr/>
-              <a:t>12/28/2020</a:t>
+              <a:t>12/30/2020</a:t>
             </a:fld>
             <a:endParaRPr lang="en-US" dirty="0"/>
           </a:p>
@@ -1449,7 +1449,7 @@
             <a:fld id="{B61BEF0D-F0BB-DE4B-95CE-6DB70DBA9567}" type="datetimeFigureOut">
               <a:rPr lang="en-US" smtClean="0"/>
               <a:pPr/>
-              <a:t>12/28/2020</a:t>
+              <a:t>12/30/2020</a:t>
             </a:fld>
             <a:endParaRPr lang="en-US" dirty="0"/>
           </a:p>
@@ -1784,7 +1784,7 @@
             <a:fld id="{B61BEF0D-F0BB-DE4B-95CE-6DB70DBA9567}" type="datetimeFigureOut">
               <a:rPr lang="en-US" smtClean="0"/>
               <a:pPr/>
-              <a:t>12/28/2020</a:t>
+              <a:t>12/30/2020</a:t>
             </a:fld>
             <a:endParaRPr lang="en-US" dirty="0"/>
           </a:p>
@@ -2100,7 +2100,7 @@
             <a:fld id="{B61BEF0D-F0BB-DE4B-95CE-6DB70DBA9567}" type="datetimeFigureOut">
               <a:rPr lang="en-US" smtClean="0"/>
               <a:pPr/>
-              <a:t>12/28/2020</a:t>
+              <a:t>12/30/2020</a:t>
             </a:fld>
             <a:endParaRPr lang="en-US" dirty="0"/>
           </a:p>
@@ -2495,7 +2495,7 @@
             <a:fld id="{B61BEF0D-F0BB-DE4B-95CE-6DB70DBA9567}" type="datetimeFigureOut">
               <a:rPr lang="en-US" smtClean="0"/>
               <a:pPr/>
-              <a:t>12/28/2020</a:t>
+              <a:t>12/30/2020</a:t>
             </a:fld>
             <a:endParaRPr lang="en-US" dirty="0"/>
           </a:p>
@@ -2666,7 +2666,7 @@
           <a:p>
             <a:fld id="{55C6B4A9-1611-4792-9094-5F34BCA07E0B}" type="datetimeFigureOut">
               <a:rPr lang="en-US" smtClean="0"/>
-              <a:t>12/28/2020</a:t>
+              <a:t>12/30/2020</a:t>
             </a:fld>
             <a:endParaRPr lang="en-US" dirty="0"/>
           </a:p>
@@ -2847,7 +2847,7 @@
             <a:fld id="{B61BEF0D-F0BB-DE4B-95CE-6DB70DBA9567}" type="datetimeFigureOut">
               <a:rPr lang="en-US" smtClean="0"/>
               <a:pPr/>
-              <a:t>12/28/2020</a:t>
+              <a:t>12/30/2020</a:t>
             </a:fld>
             <a:endParaRPr lang="en-US" dirty="0"/>
           </a:p>
@@ -3019,7 +3019,7 @@
             <a:fld id="{B61BEF0D-F0BB-DE4B-95CE-6DB70DBA9567}" type="datetimeFigureOut">
               <a:rPr lang="en-US" smtClean="0"/>
               <a:pPr/>
-              <a:t>12/28/2020</a:t>
+              <a:t>12/30/2020</a:t>
             </a:fld>
             <a:endParaRPr lang="en-US" dirty="0"/>
           </a:p>
@@ -3268,7 +3268,7 @@
             <a:fld id="{B61BEF0D-F0BB-DE4B-95CE-6DB70DBA9567}" type="datetimeFigureOut">
               <a:rPr lang="en-US" smtClean="0"/>
               <a:pPr/>
-              <a:t>12/28/2020</a:t>
+              <a:t>12/30/2020</a:t>
             </a:fld>
             <a:endParaRPr lang="en-US" dirty="0"/>
           </a:p>
@@ -3501,7 +3501,7 @@
           <a:p>
             <a:fld id="{EB712588-04B1-427B-82EE-E8DB90309F08}" type="datetimeFigureOut">
               <a:rPr lang="en-US" smtClean="0"/>
-              <a:t>12/28/2020</a:t>
+              <a:t>12/30/2020</a:t>
             </a:fld>
             <a:endParaRPr lang="en-US" dirty="0"/>
           </a:p>
@@ -3876,7 +3876,7 @@
             <a:fld id="{B61BEF0D-F0BB-DE4B-95CE-6DB70DBA9567}" type="datetimeFigureOut">
               <a:rPr lang="en-US" smtClean="0"/>
               <a:pPr/>
-              <a:t>12/28/2020</a:t>
+              <a:t>12/30/2020</a:t>
             </a:fld>
             <a:endParaRPr lang="en-US" dirty="0"/>
           </a:p>
@@ -4001,7 +4001,7 @@
             <a:fld id="{B61BEF0D-F0BB-DE4B-95CE-6DB70DBA9567}" type="datetimeFigureOut">
               <a:rPr lang="en-US" smtClean="0"/>
               <a:pPr/>
-              <a:t>12/28/2020</a:t>
+              <a:t>12/30/2020</a:t>
             </a:fld>
             <a:endParaRPr lang="en-US" dirty="0"/>
           </a:p>
@@ -4098,7 +4098,7 @@
             <a:fld id="{B61BEF0D-F0BB-DE4B-95CE-6DB70DBA9567}" type="datetimeFigureOut">
               <a:rPr lang="en-US" smtClean="0"/>
               <a:pPr/>
-              <a:t>12/28/2020</a:t>
+              <a:t>12/30/2020</a:t>
             </a:fld>
             <a:endParaRPr lang="en-US" dirty="0"/>
           </a:p>
@@ -4354,7 +4354,7 @@
           <a:p>
             <a:fld id="{42A54C80-263E-416B-A8E0-580EDEADCBDC}" type="datetimeFigureOut">
               <a:rPr lang="en-US" smtClean="0"/>
-              <a:t>12/28/2020</a:t>
+              <a:t>12/30/2020</a:t>
             </a:fld>
             <a:endParaRPr lang="en-US" dirty="0"/>
           </a:p>
@@ -4661,7 +4661,7 @@
             <a:fld id="{B61BEF0D-F0BB-DE4B-95CE-6DB70DBA9567}" type="datetimeFigureOut">
               <a:rPr lang="en-US" smtClean="0"/>
               <a:pPr/>
-              <a:t>12/28/2020</a:t>
+              <a:t>12/30/2020</a:t>
             </a:fld>
             <a:endParaRPr lang="en-US" dirty="0"/>
           </a:p>
@@ -5364,7 +5364,7 @@
             <a:fld id="{B61BEF0D-F0BB-DE4B-95CE-6DB70DBA9567}" type="datetimeFigureOut">
               <a:rPr lang="en-US" smtClean="0"/>
               <a:pPr/>
-              <a:t>12/28/2020</a:t>
+              <a:t>12/30/2020</a:t>
             </a:fld>
             <a:endParaRPr lang="en-US" dirty="0"/>
           </a:p>
@@ -6082,7 +6082,11 @@
             <a:pPr lvl="1"/>
             <a:r>
               <a:rPr lang="en-US" altLang="zh-TW" dirty="0" smtClean="0"/>
-              <a:t>Print(“Hello World!”)</a:t>
+              <a:t>print</a:t>
+            </a:r>
+            <a:r>
+              <a:rPr lang="en-US" altLang="zh-TW" dirty="0" smtClean="0"/>
+              <a:t>(“Hello World!”)</a:t>
             </a:r>
             <a:endParaRPr lang="zh-TW" altLang="en-US" dirty="0"/>
           </a:p>
